--- a/Task 3 (1).pptx
+++ b/Task 3 (1).pptx
@@ -11,13 +11,14 @@
     <p:sldId id="270" r:id="rId5"/>
     <p:sldId id="272" r:id="rId6"/>
     <p:sldId id="269" r:id="rId7"/>
-    <p:sldId id="259" r:id="rId8"/>
-    <p:sldId id="263" r:id="rId9"/>
-    <p:sldId id="265" r:id="rId10"/>
-    <p:sldId id="264" r:id="rId11"/>
-    <p:sldId id="266" r:id="rId12"/>
-    <p:sldId id="267" r:id="rId13"/>
-    <p:sldId id="268" r:id="rId14"/>
+    <p:sldId id="273" r:id="rId8"/>
+    <p:sldId id="259" r:id="rId9"/>
+    <p:sldId id="263" r:id="rId10"/>
+    <p:sldId id="265" r:id="rId11"/>
+    <p:sldId id="264" r:id="rId12"/>
+    <p:sldId id="266" r:id="rId13"/>
+    <p:sldId id="267" r:id="rId14"/>
+    <p:sldId id="268" r:id="rId15"/>
   </p:sldIdLst>
   <p:sldSz cx="12192000" cy="6858000"/>
   <p:notesSz cx="6858000" cy="9144000"/>
@@ -644,7 +645,7 @@
           <a:p>
             <a:fld id="{507250FD-583F-4A7C-898D-06B88F940DB9}" type="datetimeFigureOut">
               <a:rPr lang="de-DE" smtClean="0"/>
-              <a:t>17.05.2023</a:t>
+              <a:t>18.05.2023</a:t>
             </a:fld>
             <a:endParaRPr lang="de-DE"/>
           </a:p>
@@ -698,7 +699,7 @@
           <a:p>
             <a:fld id="{5FE1CFB4-4EC3-4B46-8D35-E8CFDF4A4890}" type="slidenum">
               <a:rPr lang="de-DE" smtClean="0"/>
-              <a:t>‹#›</a:t>
+              <a:t>‹Nr.›</a:t>
             </a:fld>
             <a:endParaRPr lang="de-DE"/>
           </a:p>
@@ -842,7 +843,7 @@
           <a:p>
             <a:fld id="{507250FD-583F-4A7C-898D-06B88F940DB9}" type="datetimeFigureOut">
               <a:rPr lang="de-DE" smtClean="0"/>
-              <a:t>17.05.2023</a:t>
+              <a:t>18.05.2023</a:t>
             </a:fld>
             <a:endParaRPr lang="de-DE"/>
           </a:p>
@@ -896,7 +897,7 @@
           <a:p>
             <a:fld id="{5FE1CFB4-4EC3-4B46-8D35-E8CFDF4A4890}" type="slidenum">
               <a:rPr lang="de-DE" smtClean="0"/>
-              <a:t>‹#›</a:t>
+              <a:t>‹Nr.›</a:t>
             </a:fld>
             <a:endParaRPr lang="de-DE"/>
           </a:p>
@@ -1050,7 +1051,7 @@
           <a:p>
             <a:fld id="{507250FD-583F-4A7C-898D-06B88F940DB9}" type="datetimeFigureOut">
               <a:rPr lang="de-DE" smtClean="0"/>
-              <a:t>17.05.2023</a:t>
+              <a:t>18.05.2023</a:t>
             </a:fld>
             <a:endParaRPr lang="de-DE"/>
           </a:p>
@@ -1104,7 +1105,7 @@
           <a:p>
             <a:fld id="{5FE1CFB4-4EC3-4B46-8D35-E8CFDF4A4890}" type="slidenum">
               <a:rPr lang="de-DE" smtClean="0"/>
-              <a:t>‹#›</a:t>
+              <a:t>‹Nr.›</a:t>
             </a:fld>
             <a:endParaRPr lang="de-DE"/>
           </a:p>
@@ -1248,7 +1249,7 @@
           <a:p>
             <a:fld id="{507250FD-583F-4A7C-898D-06B88F940DB9}" type="datetimeFigureOut">
               <a:rPr lang="de-DE" smtClean="0"/>
-              <a:t>17.05.2023</a:t>
+              <a:t>18.05.2023</a:t>
             </a:fld>
             <a:endParaRPr lang="de-DE"/>
           </a:p>
@@ -1302,7 +1303,7 @@
           <a:p>
             <a:fld id="{5FE1CFB4-4EC3-4B46-8D35-E8CFDF4A4890}" type="slidenum">
               <a:rPr lang="de-DE" smtClean="0"/>
-              <a:t>‹#›</a:t>
+              <a:t>‹Nr.›</a:t>
             </a:fld>
             <a:endParaRPr lang="de-DE"/>
           </a:p>
@@ -1523,7 +1524,7 @@
           <a:p>
             <a:fld id="{507250FD-583F-4A7C-898D-06B88F940DB9}" type="datetimeFigureOut">
               <a:rPr lang="de-DE" smtClean="0"/>
-              <a:t>17.05.2023</a:t>
+              <a:t>18.05.2023</a:t>
             </a:fld>
             <a:endParaRPr lang="de-DE"/>
           </a:p>
@@ -1577,7 +1578,7 @@
           <a:p>
             <a:fld id="{5FE1CFB4-4EC3-4B46-8D35-E8CFDF4A4890}" type="slidenum">
               <a:rPr lang="de-DE" smtClean="0"/>
-              <a:t>‹#›</a:t>
+              <a:t>‹Nr.›</a:t>
             </a:fld>
             <a:endParaRPr lang="de-DE"/>
           </a:p>
@@ -1788,7 +1789,7 @@
           <a:p>
             <a:fld id="{507250FD-583F-4A7C-898D-06B88F940DB9}" type="datetimeFigureOut">
               <a:rPr lang="de-DE" smtClean="0"/>
-              <a:t>17.05.2023</a:t>
+              <a:t>18.05.2023</a:t>
             </a:fld>
             <a:endParaRPr lang="de-DE"/>
           </a:p>
@@ -1842,7 +1843,7 @@
           <a:p>
             <a:fld id="{5FE1CFB4-4EC3-4B46-8D35-E8CFDF4A4890}" type="slidenum">
               <a:rPr lang="de-DE" smtClean="0"/>
-              <a:t>‹#›</a:t>
+              <a:t>‹Nr.›</a:t>
             </a:fld>
             <a:endParaRPr lang="de-DE"/>
           </a:p>
@@ -2200,7 +2201,7 @@
           <a:p>
             <a:fld id="{507250FD-583F-4A7C-898D-06B88F940DB9}" type="datetimeFigureOut">
               <a:rPr lang="de-DE" smtClean="0"/>
-              <a:t>17.05.2023</a:t>
+              <a:t>18.05.2023</a:t>
             </a:fld>
             <a:endParaRPr lang="de-DE"/>
           </a:p>
@@ -2254,7 +2255,7 @@
           <a:p>
             <a:fld id="{5FE1CFB4-4EC3-4B46-8D35-E8CFDF4A4890}" type="slidenum">
               <a:rPr lang="de-DE" smtClean="0"/>
-              <a:t>‹#›</a:t>
+              <a:t>‹Nr.›</a:t>
             </a:fld>
             <a:endParaRPr lang="de-DE"/>
           </a:p>
@@ -2341,7 +2342,7 @@
           <a:p>
             <a:fld id="{507250FD-583F-4A7C-898D-06B88F940DB9}" type="datetimeFigureOut">
               <a:rPr lang="de-DE" smtClean="0"/>
-              <a:t>17.05.2023</a:t>
+              <a:t>18.05.2023</a:t>
             </a:fld>
             <a:endParaRPr lang="de-DE"/>
           </a:p>
@@ -2395,7 +2396,7 @@
           <a:p>
             <a:fld id="{5FE1CFB4-4EC3-4B46-8D35-E8CFDF4A4890}" type="slidenum">
               <a:rPr lang="de-DE" smtClean="0"/>
-              <a:t>‹#›</a:t>
+              <a:t>‹Nr.›</a:t>
             </a:fld>
             <a:endParaRPr lang="de-DE"/>
           </a:p>
@@ -2454,7 +2455,7 @@
           <a:p>
             <a:fld id="{507250FD-583F-4A7C-898D-06B88F940DB9}" type="datetimeFigureOut">
               <a:rPr lang="de-DE" smtClean="0"/>
-              <a:t>17.05.2023</a:t>
+              <a:t>18.05.2023</a:t>
             </a:fld>
             <a:endParaRPr lang="de-DE"/>
           </a:p>
@@ -2508,7 +2509,7 @@
           <a:p>
             <a:fld id="{5FE1CFB4-4EC3-4B46-8D35-E8CFDF4A4890}" type="slidenum">
               <a:rPr lang="de-DE" smtClean="0"/>
-              <a:t>‹#›</a:t>
+              <a:t>‹Nr.›</a:t>
             </a:fld>
             <a:endParaRPr lang="de-DE"/>
           </a:p>
@@ -2765,7 +2766,7 @@
           <a:p>
             <a:fld id="{507250FD-583F-4A7C-898D-06B88F940DB9}" type="datetimeFigureOut">
               <a:rPr lang="de-DE" smtClean="0"/>
-              <a:t>17.05.2023</a:t>
+              <a:t>18.05.2023</a:t>
             </a:fld>
             <a:endParaRPr lang="de-DE"/>
           </a:p>
@@ -2819,7 +2820,7 @@
           <a:p>
             <a:fld id="{5FE1CFB4-4EC3-4B46-8D35-E8CFDF4A4890}" type="slidenum">
               <a:rPr lang="de-DE" smtClean="0"/>
-              <a:t>‹#›</a:t>
+              <a:t>‹Nr.›</a:t>
             </a:fld>
             <a:endParaRPr lang="de-DE"/>
           </a:p>
@@ -3053,7 +3054,7 @@
           <a:p>
             <a:fld id="{507250FD-583F-4A7C-898D-06B88F940DB9}" type="datetimeFigureOut">
               <a:rPr lang="de-DE" smtClean="0"/>
-              <a:t>17.05.2023</a:t>
+              <a:t>18.05.2023</a:t>
             </a:fld>
             <a:endParaRPr lang="de-DE"/>
           </a:p>
@@ -3107,7 +3108,7 @@
           <a:p>
             <a:fld id="{5FE1CFB4-4EC3-4B46-8D35-E8CFDF4A4890}" type="slidenum">
               <a:rPr lang="de-DE" smtClean="0"/>
-              <a:t>‹#›</a:t>
+              <a:t>‹Nr.›</a:t>
             </a:fld>
             <a:endParaRPr lang="de-DE"/>
           </a:p>
@@ -3294,7 +3295,7 @@
           <a:p>
             <a:fld id="{507250FD-583F-4A7C-898D-06B88F940DB9}" type="datetimeFigureOut">
               <a:rPr lang="de-DE" smtClean="0"/>
-              <a:t>17.05.2023</a:t>
+              <a:t>18.05.2023</a:t>
             </a:fld>
             <a:endParaRPr lang="de-DE"/>
           </a:p>
@@ -3384,7 +3385,7 @@
           <a:p>
             <a:fld id="{5FE1CFB4-4EC3-4B46-8D35-E8CFDF4A4890}" type="slidenum">
               <a:rPr lang="de-DE" smtClean="0"/>
-              <a:t>‹#›</a:t>
+              <a:t>‹Nr.›</a:t>
             </a:fld>
             <a:endParaRPr lang="de-DE"/>
           </a:p>
@@ -3853,6 +3854,92 @@
           <p:cNvPr id="2" name="Titel 1">
             <a:extLst>
               <a:ext uri="{FF2B5EF4-FFF2-40B4-BE49-F238E27FC236}">
+                <a16:creationId xmlns:a16="http://schemas.microsoft.com/office/drawing/2014/main" id="{7AA55654-C912-2FF1-58D0-B46AB6D36041}"/>
+              </a:ext>
+            </a:extLst>
+          </p:cNvPr>
+          <p:cNvSpPr>
+            <a:spLocks noGrp="1"/>
+          </p:cNvSpPr>
+          <p:nvPr>
+            <p:ph type="title"/>
+          </p:nvPr>
+        </p:nvSpPr>
+        <p:spPr/>
+        <p:txBody>
+          <a:bodyPr/>
+          <a:lstStyle/>
+          <a:p>
+            <a:r>
+              <a:rPr lang="en-GB" dirty="0"/>
+              <a:t>KNN: Parameter Grid Search / best parameters</a:t>
+            </a:r>
+          </a:p>
+        </p:txBody>
+      </p:sp>
+      <p:sp>
+        <p:nvSpPr>
+          <p:cNvPr id="3" name="Inhaltsplatzhalter 2">
+            <a:extLst>
+              <a:ext uri="{FF2B5EF4-FFF2-40B4-BE49-F238E27FC236}">
+                <a16:creationId xmlns:a16="http://schemas.microsoft.com/office/drawing/2014/main" id="{9D44BF15-FD9D-6978-0704-291A54BCFDBF}"/>
+              </a:ext>
+            </a:extLst>
+          </p:cNvPr>
+          <p:cNvSpPr>
+            <a:spLocks noGrp="1"/>
+          </p:cNvSpPr>
+          <p:nvPr>
+            <p:ph idx="1"/>
+          </p:nvPr>
+        </p:nvSpPr>
+        <p:spPr/>
+        <p:txBody>
+          <a:bodyPr/>
+          <a:lstStyle/>
+          <a:p>
+            <a:r>
+              <a:rPr lang="en-GB" dirty="0"/>
+              <a:t>Best parameters:</a:t>
+            </a:r>
+          </a:p>
+        </p:txBody>
+      </p:sp>
+    </p:spTree>
+    <p:extLst>
+      <p:ext uri="{BB962C8B-B14F-4D97-AF65-F5344CB8AC3E}">
+        <p14:creationId xmlns:p14="http://schemas.microsoft.com/office/powerpoint/2010/main" val="2636019066"/>
+      </p:ext>
+    </p:extLst>
+  </p:cSld>
+  <p:clrMapOvr>
+    <a:masterClrMapping/>
+  </p:clrMapOvr>
+</p:sld>
+</file>
+
+<file path=ppt/slides/slide11.xml><?xml version="1.0" encoding="utf-8"?>
+<p:sld xmlns:a="http://schemas.openxmlformats.org/drawingml/2006/main" xmlns:r="http://schemas.openxmlformats.org/officeDocument/2006/relationships" xmlns:p="http://schemas.openxmlformats.org/presentationml/2006/main">
+  <p:cSld>
+    <p:spTree>
+      <p:nvGrpSpPr>
+        <p:cNvPr id="1" name=""/>
+        <p:cNvGrpSpPr/>
+        <p:nvPr/>
+      </p:nvGrpSpPr>
+      <p:grpSpPr>
+        <a:xfrm>
+          <a:off x="0" y="0"/>
+          <a:ext cx="0" cy="0"/>
+          <a:chOff x="0" y="0"/>
+          <a:chExt cx="0" cy="0"/>
+        </a:xfrm>
+      </p:grpSpPr>
+      <p:sp>
+        <p:nvSpPr>
+          <p:cNvPr id="2" name="Titel 1">
+            <a:extLst>
+              <a:ext uri="{FF2B5EF4-FFF2-40B4-BE49-F238E27FC236}">
                 <a16:creationId xmlns:a16="http://schemas.microsoft.com/office/drawing/2014/main" id="{D0E05852-19AE-038D-0D95-68153D3D5FDF}"/>
               </a:ext>
             </a:extLst>
@@ -3943,7 +4030,7 @@
 </p:sld>
 </file>
 
-<file path=ppt/slides/slide11.xml><?xml version="1.0" encoding="utf-8"?>
+<file path=ppt/slides/slide12.xml><?xml version="1.0" encoding="utf-8"?>
 <p:sld xmlns:a="http://schemas.openxmlformats.org/drawingml/2006/main" xmlns:r="http://schemas.openxmlformats.org/officeDocument/2006/relationships" xmlns:p="http://schemas.openxmlformats.org/presentationml/2006/main">
   <p:cSld>
     <p:spTree>
@@ -4115,7 +4202,7 @@
 </p:sld>
 </file>
 
-<file path=ppt/slides/slide12.xml><?xml version="1.0" encoding="utf-8"?>
+<file path=ppt/slides/slide13.xml><?xml version="1.0" encoding="utf-8"?>
 <p:sld xmlns:a="http://schemas.openxmlformats.org/drawingml/2006/main" xmlns:r="http://schemas.openxmlformats.org/officeDocument/2006/relationships" xmlns:p="http://schemas.openxmlformats.org/presentationml/2006/main">
   <p:cSld>
     <p:spTree>
@@ -4817,7 +4904,7 @@
 </p:sld>
 </file>
 
-<file path=ppt/slides/slide13.xml><?xml version="1.0" encoding="utf-8"?>
+<file path=ppt/slides/slide14.xml><?xml version="1.0" encoding="utf-8"?>
 <p:sld xmlns:a="http://schemas.openxmlformats.org/drawingml/2006/main" xmlns:r="http://schemas.openxmlformats.org/officeDocument/2006/relationships" xmlns:p="http://schemas.openxmlformats.org/presentationml/2006/main">
   <p:cSld>
     <p:spTree>
@@ -6380,6 +6467,166 @@
           <p:cNvPr id="2" name="Titel 1">
             <a:extLst>
               <a:ext uri="{FF2B5EF4-FFF2-40B4-BE49-F238E27FC236}">
+                <a16:creationId xmlns:a16="http://schemas.microsoft.com/office/drawing/2014/main" id="{0990B1D8-76F2-77E0-4D22-9B1904734D73}"/>
+              </a:ext>
+            </a:extLst>
+          </p:cNvPr>
+          <p:cNvSpPr>
+            <a:spLocks noGrp="1"/>
+          </p:cNvSpPr>
+          <p:nvPr>
+            <p:ph type="title"/>
+          </p:nvPr>
+        </p:nvSpPr>
+        <p:spPr/>
+        <p:txBody>
+          <a:bodyPr/>
+          <a:lstStyle/>
+          <a:p>
+            <a:r>
+              <a:rPr lang="en-GB" dirty="0"/>
+              <a:t>Baseline performance</a:t>
+            </a:r>
+          </a:p>
+        </p:txBody>
+      </p:sp>
+      <p:sp>
+        <p:nvSpPr>
+          <p:cNvPr id="4" name="Inhaltsplatzhalter 3">
+            <a:extLst>
+              <a:ext uri="{FF2B5EF4-FFF2-40B4-BE49-F238E27FC236}">
+                <a16:creationId xmlns:a16="http://schemas.microsoft.com/office/drawing/2014/main" id="{C02E8144-C4BD-EC0F-AD62-E87EBAC3E0F1}"/>
+              </a:ext>
+            </a:extLst>
+          </p:cNvPr>
+          <p:cNvSpPr>
+            <a:spLocks noGrp="1"/>
+          </p:cNvSpPr>
+          <p:nvPr>
+            <p:ph sz="half" idx="1"/>
+          </p:nvPr>
+        </p:nvSpPr>
+        <p:spPr/>
+        <p:txBody>
+          <a:bodyPr>
+            <a:normAutofit/>
+          </a:bodyPr>
+          <a:lstStyle/>
+          <a:p>
+            <a:r>
+              <a:rPr lang="en-GB" sz="2400" dirty="0"/>
+              <a:t>our dataset is heavily unbalanced towards the class where no bird is present</a:t>
+            </a:r>
+          </a:p>
+          <a:p>
+            <a:r>
+              <a:rPr lang="en-GB" sz="2400" dirty="0"/>
+              <a:t>Therefore a simple classifier that just predicts class “0” would have a rather high value in terms of simple accuracy</a:t>
+            </a:r>
+          </a:p>
+          <a:p>
+            <a:r>
+              <a:rPr lang="en-GB" sz="2400" dirty="0"/>
+              <a:t>With our chosen evaluation criterion on the other side this classifier would only achieve a low score</a:t>
+            </a:r>
+          </a:p>
+        </p:txBody>
+      </p:sp>
+      <p:sp>
+        <p:nvSpPr>
+          <p:cNvPr id="5" name="Inhaltsplatzhalter 4">
+            <a:extLst>
+              <a:ext uri="{FF2B5EF4-FFF2-40B4-BE49-F238E27FC236}">
+                <a16:creationId xmlns:a16="http://schemas.microsoft.com/office/drawing/2014/main" id="{2B892DF3-F4F6-0296-54A4-675E5A1DA1C9}"/>
+              </a:ext>
+            </a:extLst>
+          </p:cNvPr>
+          <p:cNvSpPr>
+            <a:spLocks noGrp="1"/>
+          </p:cNvSpPr>
+          <p:nvPr>
+            <p:ph sz="half" idx="2"/>
+          </p:nvPr>
+        </p:nvSpPr>
+        <p:spPr/>
+        <p:txBody>
+          <a:bodyPr>
+            <a:normAutofit/>
+          </a:bodyPr>
+          <a:lstStyle/>
+          <a:p>
+            <a:r>
+              <a:rPr lang="en-GB" sz="2400" dirty="0"/>
+              <a:t>The precision-recall curve would look like this:</a:t>
+            </a:r>
+          </a:p>
+        </p:txBody>
+      </p:sp>
+      <p:pic>
+        <p:nvPicPr>
+          <p:cNvPr id="9" name="Grafik 8">
+            <a:extLst>
+              <a:ext uri="{FF2B5EF4-FFF2-40B4-BE49-F238E27FC236}">
+                <a16:creationId xmlns:a16="http://schemas.microsoft.com/office/drawing/2014/main" id="{73A79BD8-FF87-FB9B-74CD-412594201E98}"/>
+              </a:ext>
+            </a:extLst>
+          </p:cNvPr>
+          <p:cNvPicPr>
+            <a:picLocks noChangeAspect="1"/>
+          </p:cNvPicPr>
+          <p:nvPr/>
+        </p:nvPicPr>
+        <p:blipFill>
+          <a:blip r:embed="rId2"/>
+          <a:stretch>
+            <a:fillRect/>
+          </a:stretch>
+        </p:blipFill>
+        <p:spPr>
+          <a:xfrm>
+            <a:off x="7352332" y="2707655"/>
+            <a:ext cx="3324439" cy="3660528"/>
+          </a:xfrm>
+          <a:prstGeom prst="rect">
+            <a:avLst/>
+          </a:prstGeom>
+        </p:spPr>
+      </p:pic>
+    </p:spTree>
+    <p:extLst>
+      <p:ext uri="{BB962C8B-B14F-4D97-AF65-F5344CB8AC3E}">
+        <p14:creationId xmlns:p14="http://schemas.microsoft.com/office/powerpoint/2010/main" val="423827059"/>
+      </p:ext>
+    </p:extLst>
+  </p:cSld>
+  <p:clrMapOvr>
+    <a:masterClrMapping/>
+  </p:clrMapOvr>
+</p:sld>
+</file>
+
+<file path=ppt/slides/slide8.xml><?xml version="1.0" encoding="utf-8"?>
+<p:sld xmlns:a="http://schemas.openxmlformats.org/drawingml/2006/main" xmlns:r="http://schemas.openxmlformats.org/officeDocument/2006/relationships" xmlns:p="http://schemas.openxmlformats.org/presentationml/2006/main">
+  <p:cSld>
+    <p:spTree>
+      <p:nvGrpSpPr>
+        <p:cNvPr id="1" name=""/>
+        <p:cNvGrpSpPr/>
+        <p:nvPr/>
+      </p:nvGrpSpPr>
+      <p:grpSpPr>
+        <a:xfrm>
+          <a:off x="0" y="0"/>
+          <a:ext cx="0" cy="0"/>
+          <a:chOff x="0" y="0"/>
+          <a:chExt cx="0" cy="0"/>
+        </a:xfrm>
+      </p:grpSpPr>
+      <p:sp>
+        <p:nvSpPr>
+          <p:cNvPr id="2" name="Titel 1">
+            <a:extLst>
+              <a:ext uri="{FF2B5EF4-FFF2-40B4-BE49-F238E27FC236}">
                 <a16:creationId xmlns:a16="http://schemas.microsoft.com/office/drawing/2014/main" id="{A49D1A23-08C9-07BE-77D5-E185B87A1AE1}"/>
               </a:ext>
             </a:extLst>
@@ -6713,161 +6960,6 @@
 </p:sld>
 </file>
 
-<file path=ppt/slides/slide8.xml><?xml version="1.0" encoding="utf-8"?>
-<p:sld xmlns:a="http://schemas.openxmlformats.org/drawingml/2006/main" xmlns:r="http://schemas.openxmlformats.org/officeDocument/2006/relationships" xmlns:p="http://schemas.openxmlformats.org/presentationml/2006/main">
-  <p:cSld>
-    <p:spTree>
-      <p:nvGrpSpPr>
-        <p:cNvPr id="1" name=""/>
-        <p:cNvGrpSpPr/>
-        <p:nvPr/>
-      </p:nvGrpSpPr>
-      <p:grpSpPr>
-        <a:xfrm>
-          <a:off x="0" y="0"/>
-          <a:ext cx="0" cy="0"/>
-          <a:chOff x="0" y="0"/>
-          <a:chExt cx="0" cy="0"/>
-        </a:xfrm>
-      </p:grpSpPr>
-      <p:sp>
-        <p:nvSpPr>
-          <p:cNvPr id="2" name="Titel 1">
-            <a:extLst>
-              <a:ext uri="{FF2B5EF4-FFF2-40B4-BE49-F238E27FC236}">
-                <a16:creationId xmlns:a16="http://schemas.microsoft.com/office/drawing/2014/main" id="{558037CC-B08A-363F-4884-0A66AE35D302}"/>
-              </a:ext>
-            </a:extLst>
-          </p:cNvPr>
-          <p:cNvSpPr>
-            <a:spLocks noGrp="1"/>
-          </p:cNvSpPr>
-          <p:nvPr>
-            <p:ph type="title"/>
-          </p:nvPr>
-        </p:nvSpPr>
-        <p:spPr/>
-        <p:txBody>
-          <a:bodyPr/>
-          <a:lstStyle/>
-          <a:p>
-            <a:r>
-              <a:rPr lang="en-GB" dirty="0"/>
-              <a:t>KNN: Parameter Grid Search / best parameters</a:t>
-            </a:r>
-          </a:p>
-        </p:txBody>
-      </p:sp>
-      <p:sp>
-        <p:nvSpPr>
-          <p:cNvPr id="3" name="Inhaltsplatzhalter 2">
-            <a:extLst>
-              <a:ext uri="{FF2B5EF4-FFF2-40B4-BE49-F238E27FC236}">
-                <a16:creationId xmlns:a16="http://schemas.microsoft.com/office/drawing/2014/main" id="{EE355703-50C6-E35D-362A-E1CE98C10D53}"/>
-              </a:ext>
-            </a:extLst>
-          </p:cNvPr>
-          <p:cNvSpPr>
-            <a:spLocks noGrp="1"/>
-          </p:cNvSpPr>
-          <p:nvPr>
-            <p:ph sz="half" idx="1"/>
-          </p:nvPr>
-        </p:nvSpPr>
-        <p:spPr>
-          <a:xfrm>
-            <a:off x="838200" y="1825625"/>
-            <a:ext cx="10515600" cy="4351338"/>
-          </a:xfrm>
-        </p:spPr>
-        <p:txBody>
-          <a:bodyPr>
-            <a:normAutofit fontScale="92500"/>
-          </a:bodyPr>
-          <a:lstStyle/>
-          <a:p>
-            <a:r>
-              <a:rPr lang="en-GB" dirty="0"/>
-              <a:t>Number of features:</a:t>
-            </a:r>
-          </a:p>
-          <a:p>
-            <a:pPr lvl="1"/>
-            <a:r>
-              <a:rPr lang="en-GB" dirty="0"/>
-              <a:t>Several different numbers of features were tried </a:t>
-            </a:r>
-          </a:p>
-          <a:p>
-            <a:pPr lvl="1"/>
-            <a:r>
-              <a:rPr lang="en-GB" dirty="0"/>
-              <a:t>For 50 features the performance was already rather good</a:t>
-            </a:r>
-          </a:p>
-          <a:p>
-            <a:pPr lvl="1"/>
-            <a:r>
-              <a:rPr lang="en-GB" dirty="0"/>
-              <a:t>Using more features only increased the performance by a bit but heavily increased the training and prediction time</a:t>
-            </a:r>
-          </a:p>
-          <a:p>
-            <a:r>
-              <a:rPr lang="en-GB" dirty="0"/>
-              <a:t>For “number of neighbours”, “weights” and “algorithm” a Randomized Search was performed to find the best combination of parameters</a:t>
-            </a:r>
-          </a:p>
-          <a:p>
-            <a:r>
-              <a:rPr lang="en-GB" dirty="0"/>
-              <a:t>Options for Randomized Search:</a:t>
-            </a:r>
-          </a:p>
-          <a:p>
-            <a:pPr lvl="1"/>
-            <a:r>
-              <a:rPr lang="en-GB" dirty="0"/>
-              <a:t>Number of neighbours: [5, 10, 12, 16,18]</a:t>
-            </a:r>
-          </a:p>
-          <a:p>
-            <a:pPr lvl="1"/>
-            <a:r>
-              <a:rPr lang="en-GB" dirty="0"/>
-              <a:t>Weights: [uniform, distance]</a:t>
-            </a:r>
-          </a:p>
-          <a:p>
-            <a:pPr lvl="1"/>
-            <a:r>
-              <a:rPr lang="en-GB" dirty="0"/>
-              <a:t>Algorithm: [auto, ball tree, </a:t>
-            </a:r>
-            <a:r>
-              <a:rPr lang="en-GB" dirty="0" err="1"/>
-              <a:t>kd</a:t>
-            </a:r>
-            <a:r>
-              <a:rPr lang="en-GB" dirty="0"/>
-              <a:t> tree, brute]</a:t>
-            </a:r>
-          </a:p>
-        </p:txBody>
-      </p:sp>
-    </p:spTree>
-    <p:extLst>
-      <p:ext uri="{BB962C8B-B14F-4D97-AF65-F5344CB8AC3E}">
-        <p14:creationId xmlns:p14="http://schemas.microsoft.com/office/powerpoint/2010/main" val="596370569"/>
-      </p:ext>
-    </p:extLst>
-  </p:cSld>
-  <p:clrMapOvr>
-    <a:masterClrMapping/>
-  </p:clrMapOvr>
-</p:sld>
-</file>
-
 <file path=ppt/slides/slide9.xml><?xml version="1.0" encoding="utf-8"?>
 <p:sld xmlns:a="http://schemas.openxmlformats.org/drawingml/2006/main" xmlns:r="http://schemas.openxmlformats.org/officeDocument/2006/relationships" xmlns:p="http://schemas.openxmlformats.org/presentationml/2006/main">
   <p:cSld>
@@ -6890,7 +6982,7 @@
           <p:cNvPr id="2" name="Titel 1">
             <a:extLst>
               <a:ext uri="{FF2B5EF4-FFF2-40B4-BE49-F238E27FC236}">
-                <a16:creationId xmlns:a16="http://schemas.microsoft.com/office/drawing/2014/main" id="{7AA55654-C912-2FF1-58D0-B46AB6D36041}"/>
+                <a16:creationId xmlns:a16="http://schemas.microsoft.com/office/drawing/2014/main" id="{558037CC-B08A-363F-4884-0A66AE35D302}"/>
               </a:ext>
             </a:extLst>
           </p:cNvPr>
@@ -6918,25 +7010,94 @@
           <p:cNvPr id="3" name="Inhaltsplatzhalter 2">
             <a:extLst>
               <a:ext uri="{FF2B5EF4-FFF2-40B4-BE49-F238E27FC236}">
-                <a16:creationId xmlns:a16="http://schemas.microsoft.com/office/drawing/2014/main" id="{9D44BF15-FD9D-6978-0704-291A54BCFDBF}"/>
-              </a:ext>
-            </a:extLst>
-          </p:cNvPr>
-          <p:cNvSpPr>
-            <a:spLocks noGrp="1"/>
-          </p:cNvSpPr>
-          <p:nvPr>
-            <p:ph idx="1"/>
-          </p:nvPr>
-        </p:nvSpPr>
-        <p:spPr/>
-        <p:txBody>
-          <a:bodyPr/>
+                <a16:creationId xmlns:a16="http://schemas.microsoft.com/office/drawing/2014/main" id="{EE355703-50C6-E35D-362A-E1CE98C10D53}"/>
+              </a:ext>
+            </a:extLst>
+          </p:cNvPr>
+          <p:cNvSpPr>
+            <a:spLocks noGrp="1"/>
+          </p:cNvSpPr>
+          <p:nvPr>
+            <p:ph sz="half" idx="1"/>
+          </p:nvPr>
+        </p:nvSpPr>
+        <p:spPr>
+          <a:xfrm>
+            <a:off x="838200" y="1825625"/>
+            <a:ext cx="10515600" cy="4351338"/>
+          </a:xfrm>
+        </p:spPr>
+        <p:txBody>
+          <a:bodyPr>
+            <a:normAutofit fontScale="92500"/>
+          </a:bodyPr>
           <a:lstStyle/>
           <a:p>
             <a:r>
               <a:rPr lang="en-GB" dirty="0"/>
-              <a:t>Best parameters:</a:t>
+              <a:t>Number of features:</a:t>
+            </a:r>
+          </a:p>
+          <a:p>
+            <a:pPr lvl="1"/>
+            <a:r>
+              <a:rPr lang="en-GB" dirty="0"/>
+              <a:t>Several different numbers of features were tried </a:t>
+            </a:r>
+          </a:p>
+          <a:p>
+            <a:pPr lvl="1"/>
+            <a:r>
+              <a:rPr lang="en-GB" dirty="0"/>
+              <a:t>For 50 features the performance was already rather good</a:t>
+            </a:r>
+          </a:p>
+          <a:p>
+            <a:pPr lvl="1"/>
+            <a:r>
+              <a:rPr lang="en-GB" dirty="0"/>
+              <a:t>Using more features only increased the performance by a bit but heavily increased the training and prediction time</a:t>
+            </a:r>
+          </a:p>
+          <a:p>
+            <a:r>
+              <a:rPr lang="en-GB" dirty="0"/>
+              <a:t>For “number of neighbours”, “weights” and “algorithm” a Randomized Search was performed to find the best combination of parameters</a:t>
+            </a:r>
+          </a:p>
+          <a:p>
+            <a:r>
+              <a:rPr lang="en-GB" dirty="0"/>
+              <a:t>Options for Randomized Search:</a:t>
+            </a:r>
+          </a:p>
+          <a:p>
+            <a:pPr lvl="1"/>
+            <a:r>
+              <a:rPr lang="en-GB" dirty="0"/>
+              <a:t>Number of neighbours: [5, 10, 12, 16,18]</a:t>
+            </a:r>
+          </a:p>
+          <a:p>
+            <a:pPr lvl="1"/>
+            <a:r>
+              <a:rPr lang="en-GB" dirty="0"/>
+              <a:t>Weights: [uniform, distance]</a:t>
+            </a:r>
+          </a:p>
+          <a:p>
+            <a:pPr lvl="1"/>
+            <a:r>
+              <a:rPr lang="en-GB" dirty="0"/>
+              <a:t>Algorithm: [auto, ball tree, </a:t>
+            </a:r>
+            <a:r>
+              <a:rPr lang="en-GB" dirty="0" err="1"/>
+              <a:t>kd</a:t>
+            </a:r>
+            <a:r>
+              <a:rPr lang="en-GB" dirty="0"/>
+              <a:t> tree, brute]</a:t>
             </a:r>
           </a:p>
         </p:txBody>
@@ -6944,7 +7105,7 @@
     </p:spTree>
     <p:extLst>
       <p:ext uri="{BB962C8B-B14F-4D97-AF65-F5344CB8AC3E}">
-        <p14:creationId xmlns:p14="http://schemas.microsoft.com/office/powerpoint/2010/main" val="2636019066"/>
+        <p14:creationId xmlns:p14="http://schemas.microsoft.com/office/powerpoint/2010/main" val="596370569"/>
       </p:ext>
     </p:extLst>
   </p:cSld>

--- a/Task 3 (1).pptx
+++ b/Task 3 (1).pptx
@@ -3872,7 +3872,7 @@
           <a:p>
             <a:r>
               <a:rPr lang="en-GB" dirty="0"/>
-              <a:t>KNN: Parameter Grid Search / best parameters</a:t>
+              <a:t>KNN: Parameter Search / best parameters (2)</a:t>
             </a:r>
           </a:p>
         </p:txBody>
@@ -3895,12 +3895,82 @@
         </p:nvSpPr>
         <p:spPr/>
         <p:txBody>
-          <a:bodyPr/>
-          <a:lstStyle/>
-          <a:p>
-            <a:r>
-              <a:rPr lang="en-GB" dirty="0"/>
-              <a:t>Best parameters:</a:t>
+          <a:bodyPr>
+            <a:normAutofit/>
+          </a:bodyPr>
+          <a:lstStyle/>
+          <a:p>
+            <a:r>
+              <a:rPr lang="en-GB" sz="2400" dirty="0"/>
+              <a:t>Options for Randomized Search:</a:t>
+            </a:r>
+          </a:p>
+          <a:p>
+            <a:pPr lvl="1"/>
+            <a:r>
+              <a:rPr lang="en-GB" sz="2000" dirty="0"/>
+              <a:t>Number of neighbours: [2, 5, 10, 12, 16,18]</a:t>
+            </a:r>
+          </a:p>
+          <a:p>
+            <a:pPr lvl="1"/>
+            <a:r>
+              <a:rPr lang="en-GB" sz="2000" dirty="0"/>
+              <a:t>Weights: [uniform, distance]</a:t>
+            </a:r>
+          </a:p>
+          <a:p>
+            <a:pPr lvl="1"/>
+            <a:r>
+              <a:rPr lang="en-GB" sz="2000" dirty="0"/>
+              <a:t>Algorithm: [auto, ball tree, </a:t>
+            </a:r>
+            <a:r>
+              <a:rPr lang="en-GB" sz="2000" dirty="0" err="1"/>
+              <a:t>kd</a:t>
+            </a:r>
+            <a:r>
+              <a:rPr lang="en-GB" sz="2000" dirty="0"/>
+              <a:t> tree, brute]</a:t>
+            </a:r>
+          </a:p>
+          <a:p>
+            <a:r>
+              <a:rPr lang="en-GB" sz="2400" dirty="0"/>
+              <a:t>From this one could observe that 10/12 neighbours, distance for weights and ball tree or brute as the algorithm performed the best</a:t>
+            </a:r>
+          </a:p>
+          <a:p>
+            <a:r>
+              <a:rPr lang="en-GB" sz="2400" dirty="0"/>
+              <a:t>Therefore a Grid-search with the following parameters was performed:</a:t>
+            </a:r>
+          </a:p>
+          <a:p>
+            <a:pPr lvl="1"/>
+            <a:r>
+              <a:rPr lang="en-GB" sz="2000" dirty="0"/>
+              <a:t>Number of neighbours: [10, 11, 12]</a:t>
+            </a:r>
+          </a:p>
+          <a:p>
+            <a:pPr lvl="1"/>
+            <a:r>
+              <a:rPr lang="en-GB" sz="2000" dirty="0"/>
+              <a:t>Weights: [distance]</a:t>
+            </a:r>
+          </a:p>
+          <a:p>
+            <a:pPr lvl="1"/>
+            <a:r>
+              <a:rPr lang="en-GB" sz="2000" dirty="0"/>
+              <a:t>Algorithm: [ball tree, brute]</a:t>
+            </a:r>
+          </a:p>
+          <a:p>
+            <a:r>
+              <a:rPr lang="en-GB" sz="2400" dirty="0"/>
+              <a:t>Resulting best parameters: “10”, “distance” and “brute”</a:t>
             </a:r>
           </a:p>
         </p:txBody>
@@ -3990,10 +4060,10 @@
       </p:sp>
       <p:pic>
         <p:nvPicPr>
-          <p:cNvPr id="7" name="Inhaltsplatzhalter 6">
-            <a:extLst>
-              <a:ext uri="{FF2B5EF4-FFF2-40B4-BE49-F238E27FC236}">
-                <a16:creationId xmlns:a16="http://schemas.microsoft.com/office/drawing/2014/main" id="{628C84FC-FA60-9207-0A8E-7EFC4A07400E}"/>
+          <p:cNvPr id="10" name="Inhaltsplatzhalter 9">
+            <a:extLst>
+              <a:ext uri="{FF2B5EF4-FFF2-40B4-BE49-F238E27FC236}">
+                <a16:creationId xmlns:a16="http://schemas.microsoft.com/office/drawing/2014/main" id="{65039FBE-EA6F-58D3-D855-38A769EE7FA2}"/>
               </a:ext>
             </a:extLst>
           </p:cNvPr>
@@ -4012,8 +4082,8 @@
         </p:blipFill>
         <p:spPr>
           <a:xfrm>
-            <a:off x="1194980" y="1825625"/>
-            <a:ext cx="4040527" cy="4351338"/>
+            <a:off x="1435806" y="1825625"/>
+            <a:ext cx="3986387" cy="4351338"/>
           </a:xfrm>
         </p:spPr>
       </p:pic>
@@ -7000,7 +7070,7 @@
           <a:p>
             <a:r>
               <a:rPr lang="en-GB" dirty="0"/>
-              <a:t>KNN: Parameter Grid Search / best parameters</a:t>
+              <a:t>KNN: Parameter Search / best parameters (1)</a:t>
             </a:r>
           </a:p>
         </p:txBody>
@@ -7029,75 +7099,40 @@
         </p:spPr>
         <p:txBody>
           <a:bodyPr>
-            <a:normAutofit fontScale="92500"/>
+            <a:normAutofit/>
           </a:bodyPr>
           <a:lstStyle/>
           <a:p>
             <a:r>
-              <a:rPr lang="en-GB" dirty="0"/>
+              <a:rPr lang="en-GB" sz="2400" dirty="0"/>
               <a:t>Number of features:</a:t>
             </a:r>
           </a:p>
           <a:p>
             <a:pPr lvl="1"/>
             <a:r>
-              <a:rPr lang="en-GB" dirty="0"/>
+              <a:rPr lang="en-GB" sz="2000" dirty="0"/>
               <a:t>Several different numbers of features were tried </a:t>
             </a:r>
           </a:p>
           <a:p>
             <a:pPr lvl="1"/>
             <a:r>
-              <a:rPr lang="en-GB" dirty="0"/>
+              <a:rPr lang="en-GB" sz="2000" dirty="0"/>
               <a:t>For 50 features the performance was already rather good</a:t>
             </a:r>
           </a:p>
           <a:p>
             <a:pPr lvl="1"/>
             <a:r>
-              <a:rPr lang="en-GB" dirty="0"/>
+              <a:rPr lang="en-GB" sz="2000" dirty="0"/>
               <a:t>Using more features only increased the performance by a bit but heavily increased the training and prediction time</a:t>
             </a:r>
           </a:p>
           <a:p>
             <a:r>
-              <a:rPr lang="en-GB" dirty="0"/>
-              <a:t>For “number of neighbours”, “weights” and “algorithm” a Randomized Search was performed to find the best combination of parameters</a:t>
-            </a:r>
-          </a:p>
-          <a:p>
-            <a:r>
-              <a:rPr lang="en-GB" dirty="0"/>
-              <a:t>Options for Randomized Search:</a:t>
-            </a:r>
-          </a:p>
-          <a:p>
-            <a:pPr lvl="1"/>
-            <a:r>
-              <a:rPr lang="en-GB" dirty="0"/>
-              <a:t>Number of neighbours: [5, 10, 12, 16,18]</a:t>
-            </a:r>
-          </a:p>
-          <a:p>
-            <a:pPr lvl="1"/>
-            <a:r>
-              <a:rPr lang="en-GB" dirty="0"/>
-              <a:t>Weights: [uniform, distance]</a:t>
-            </a:r>
-          </a:p>
-          <a:p>
-            <a:pPr lvl="1"/>
-            <a:r>
-              <a:rPr lang="en-GB" dirty="0"/>
-              <a:t>Algorithm: [auto, ball tree, </a:t>
-            </a:r>
-            <a:r>
-              <a:rPr lang="en-GB" dirty="0" err="1"/>
-              <a:t>kd</a:t>
-            </a:r>
-            <a:r>
-              <a:rPr lang="en-GB" dirty="0"/>
-              <a:t> tree, brute]</a:t>
+              <a:rPr lang="en-GB" sz="2400" dirty="0"/>
+              <a:t>For “number of neighbours”, “weights” and “algorithm” a Randomized Search was performed to roughly find the best combination of parameters and then a Grid Search was used to find the final best parameters</a:t>
             </a:r>
           </a:p>
         </p:txBody>

--- a/Task 3 (1).pptx
+++ b/Task 3 (1).pptx
@@ -699,7 +699,7 @@
           <a:p>
             <a:fld id="{5FE1CFB4-4EC3-4B46-8D35-E8CFDF4A4890}" type="slidenum">
               <a:rPr lang="de-DE" smtClean="0"/>
-              <a:t>‹Nr.›</a:t>
+              <a:t>‹#›</a:t>
             </a:fld>
             <a:endParaRPr lang="de-DE"/>
           </a:p>
@@ -897,7 +897,7 @@
           <a:p>
             <a:fld id="{5FE1CFB4-4EC3-4B46-8D35-E8CFDF4A4890}" type="slidenum">
               <a:rPr lang="de-DE" smtClean="0"/>
-              <a:t>‹Nr.›</a:t>
+              <a:t>‹#›</a:t>
             </a:fld>
             <a:endParaRPr lang="de-DE"/>
           </a:p>
@@ -1105,7 +1105,7 @@
           <a:p>
             <a:fld id="{5FE1CFB4-4EC3-4B46-8D35-E8CFDF4A4890}" type="slidenum">
               <a:rPr lang="de-DE" smtClean="0"/>
-              <a:t>‹Nr.›</a:t>
+              <a:t>‹#›</a:t>
             </a:fld>
             <a:endParaRPr lang="de-DE"/>
           </a:p>
@@ -1303,7 +1303,7 @@
           <a:p>
             <a:fld id="{5FE1CFB4-4EC3-4B46-8D35-E8CFDF4A4890}" type="slidenum">
               <a:rPr lang="de-DE" smtClean="0"/>
-              <a:t>‹Nr.›</a:t>
+              <a:t>‹#›</a:t>
             </a:fld>
             <a:endParaRPr lang="de-DE"/>
           </a:p>
@@ -1578,7 +1578,7 @@
           <a:p>
             <a:fld id="{5FE1CFB4-4EC3-4B46-8D35-E8CFDF4A4890}" type="slidenum">
               <a:rPr lang="de-DE" smtClean="0"/>
-              <a:t>‹Nr.›</a:t>
+              <a:t>‹#›</a:t>
             </a:fld>
             <a:endParaRPr lang="de-DE"/>
           </a:p>
@@ -1843,7 +1843,7 @@
           <a:p>
             <a:fld id="{5FE1CFB4-4EC3-4B46-8D35-E8CFDF4A4890}" type="slidenum">
               <a:rPr lang="de-DE" smtClean="0"/>
-              <a:t>‹Nr.›</a:t>
+              <a:t>‹#›</a:t>
             </a:fld>
             <a:endParaRPr lang="de-DE"/>
           </a:p>
@@ -2255,7 +2255,7 @@
           <a:p>
             <a:fld id="{5FE1CFB4-4EC3-4B46-8D35-E8CFDF4A4890}" type="slidenum">
               <a:rPr lang="de-DE" smtClean="0"/>
-              <a:t>‹Nr.›</a:t>
+              <a:t>‹#›</a:t>
             </a:fld>
             <a:endParaRPr lang="de-DE"/>
           </a:p>
@@ -2396,7 +2396,7 @@
           <a:p>
             <a:fld id="{5FE1CFB4-4EC3-4B46-8D35-E8CFDF4A4890}" type="slidenum">
               <a:rPr lang="de-DE" smtClean="0"/>
-              <a:t>‹Nr.›</a:t>
+              <a:t>‹#›</a:t>
             </a:fld>
             <a:endParaRPr lang="de-DE"/>
           </a:p>
@@ -2509,7 +2509,7 @@
           <a:p>
             <a:fld id="{5FE1CFB4-4EC3-4B46-8D35-E8CFDF4A4890}" type="slidenum">
               <a:rPr lang="de-DE" smtClean="0"/>
-              <a:t>‹Nr.›</a:t>
+              <a:t>‹#›</a:t>
             </a:fld>
             <a:endParaRPr lang="de-DE"/>
           </a:p>
@@ -2820,7 +2820,7 @@
           <a:p>
             <a:fld id="{5FE1CFB4-4EC3-4B46-8D35-E8CFDF4A4890}" type="slidenum">
               <a:rPr lang="de-DE" smtClean="0"/>
-              <a:t>‹Nr.›</a:t>
+              <a:t>‹#›</a:t>
             </a:fld>
             <a:endParaRPr lang="de-DE"/>
           </a:p>
@@ -3108,7 +3108,7 @@
           <a:p>
             <a:fld id="{5FE1CFB4-4EC3-4B46-8D35-E8CFDF4A4890}" type="slidenum">
               <a:rPr lang="de-DE" smtClean="0"/>
-              <a:t>‹Nr.›</a:t>
+              <a:t>‹#›</a:t>
             </a:fld>
             <a:endParaRPr lang="de-DE"/>
           </a:p>
@@ -3385,7 +3385,7 @@
           <a:p>
             <a:fld id="{5FE1CFB4-4EC3-4B46-8D35-E8CFDF4A4890}" type="slidenum">
               <a:rPr lang="de-DE" smtClean="0"/>
-              <a:t>‹Nr.›</a:t>
+              <a:t>‹#›</a:t>
             </a:fld>
             <a:endParaRPr lang="de-DE"/>
           </a:p>
@@ -5019,12 +5019,79 @@
           </a:p>
         </p:txBody>
       </p:sp>
+      <p:sp>
+        <p:nvSpPr>
+          <p:cNvPr id="4" name="Content Placeholder 3">
+            <a:extLst>
+              <a:ext uri="{FF2B5EF4-FFF2-40B4-BE49-F238E27FC236}">
+                <a16:creationId xmlns:a16="http://schemas.microsoft.com/office/drawing/2014/main" id="{DB3B19A2-8B92-8552-4C14-9C86423D7741}"/>
+              </a:ext>
+            </a:extLst>
+          </p:cNvPr>
+          <p:cNvSpPr>
+            <a:spLocks noGrp="1"/>
+          </p:cNvSpPr>
+          <p:nvPr>
+            <p:ph sz="half" idx="2"/>
+          </p:nvPr>
+        </p:nvSpPr>
+        <p:spPr/>
+        <p:txBody>
+          <a:bodyPr/>
+          <a:lstStyle/>
+          <a:p>
+            <a:r>
+              <a:rPr lang="de-DE" dirty="0"/>
+              <a:t>'n_estimators': 400</a:t>
+            </a:r>
+          </a:p>
+          <a:p>
+            <a:r>
+              <a:rPr lang="de-DE" dirty="0"/>
+              <a:t>'criterion': 'log_loss',</a:t>
+            </a:r>
+          </a:p>
+          <a:p>
+            <a:r>
+              <a:rPr lang="de-DE" dirty="0"/>
+              <a:t>'max_features': 'sqrt'</a:t>
+            </a:r>
+          </a:p>
+          <a:p>
+            <a:r>
+              <a:rPr lang="de-DE" dirty="0"/>
+              <a:t>'max_depth': 40</a:t>
+            </a:r>
+          </a:p>
+          <a:p>
+            <a:r>
+              <a:rPr lang="de-DE" dirty="0"/>
+              <a:t> 'min_samples_split': 2</a:t>
+            </a:r>
+          </a:p>
+          <a:p>
+            <a:r>
+              <a:rPr lang="de-DE" dirty="0"/>
+              <a:t> 'min_samples_leaf': 1</a:t>
+            </a:r>
+          </a:p>
+          <a:p>
+            <a:r>
+              <a:rPr lang="de-DE" dirty="0"/>
+              <a:t> 'bootstrap': False</a:t>
+            </a:r>
+          </a:p>
+          <a:p>
+            <a:endParaRPr lang="de-DE" dirty="0"/>
+          </a:p>
+        </p:txBody>
+      </p:sp>
       <p:pic>
         <p:nvPicPr>
-          <p:cNvPr id="6" name="Content Placeholder 5">
-            <a:extLst>
-              <a:ext uri="{FF2B5EF4-FFF2-40B4-BE49-F238E27FC236}">
-                <a16:creationId xmlns:a16="http://schemas.microsoft.com/office/drawing/2014/main" id="{C019948D-026A-4584-191C-E2062A5D791E}"/>
+          <p:cNvPr id="7" name="Content Placeholder 6">
+            <a:extLst>
+              <a:ext uri="{FF2B5EF4-FFF2-40B4-BE49-F238E27FC236}">
+                <a16:creationId xmlns:a16="http://schemas.microsoft.com/office/drawing/2014/main" id="{80614702-E00C-E3A8-315D-DF04D0C48DBF}"/>
               </a:ext>
             </a:extLst>
           </p:cNvPr>
@@ -5043,36 +5110,14 @@
         </p:blipFill>
         <p:spPr>
           <a:xfrm>
-            <a:off x="1393964" y="1825625"/>
-            <a:ext cx="4070072" cy="4351338"/>
+            <a:off x="1366075" y="1825625"/>
+            <a:ext cx="4125849" cy="4351338"/>
           </a:xfrm>
+          <a:prstGeom prst="rect">
+            <a:avLst/>
+          </a:prstGeom>
         </p:spPr>
       </p:pic>
-      <p:sp>
-        <p:nvSpPr>
-          <p:cNvPr id="4" name="Content Placeholder 3">
-            <a:extLst>
-              <a:ext uri="{FF2B5EF4-FFF2-40B4-BE49-F238E27FC236}">
-                <a16:creationId xmlns:a16="http://schemas.microsoft.com/office/drawing/2014/main" id="{DB3B19A2-8B92-8552-4C14-9C86423D7741}"/>
-              </a:ext>
-            </a:extLst>
-          </p:cNvPr>
-          <p:cNvSpPr>
-            <a:spLocks noGrp="1"/>
-          </p:cNvSpPr>
-          <p:nvPr>
-            <p:ph sz="half" idx="2"/>
-          </p:nvPr>
-        </p:nvSpPr>
-        <p:spPr/>
-        <p:txBody>
-          <a:bodyPr/>
-          <a:lstStyle/>
-          <a:p>
-            <a:endParaRPr lang="de-DE"/>
-          </a:p>
-        </p:txBody>
-      </p:sp>
     </p:spTree>
     <p:extLst>
       <p:ext uri="{BB962C8B-B14F-4D97-AF65-F5344CB8AC3E}">
@@ -6482,7 +6527,7 @@
           <a:p>
             <a:r>
               <a:rPr lang="de-DE" dirty="0"/>
-              <a:t>Crit for overfitting</a:t>
+              <a:t>F1-score using macro averaging was used to evaluate model performance during testing for overfitting since plain accuracy does not take class unbalance into account</a:t>
             </a:r>
           </a:p>
           <a:p>
